--- a/Lyu/Part of Lyu.pptx
+++ b/Lyu/Part of Lyu.pptx
@@ -9345,8 +9345,8 @@
         </p:blipFill>
         <p:spPr>
           <a:xfrm>
-            <a:off x="661718" y="1752600"/>
-            <a:ext cx="7886700" cy="4272318"/>
+            <a:off x="703706" y="1371600"/>
+            <a:ext cx="7736587" cy="4191000"/>
           </a:xfrm>
         </p:spPr>
       </p:pic>
@@ -9372,8 +9372,8 @@
         </p:blipFill>
         <p:spPr>
           <a:xfrm>
-            <a:off x="6090213" y="4659669"/>
-            <a:ext cx="2458205" cy="1365249"/>
+            <a:off x="5559044" y="3962399"/>
+            <a:ext cx="2881249" cy="1600201"/>
           </a:xfrm>
           <a:prstGeom prst="rect">
             <a:avLst/>

--- a/Lyu/Part of Lyu.pptx
+++ b/Lyu/Part of Lyu.pptx
@@ -5,10 +5,10 @@
     <p:sldMasterId id="2147483698" r:id="rId1"/>
   </p:sldMasterIdLst>
   <p:notesMasterIdLst>
-    <p:notesMasterId r:id="rId17"/>
+    <p:notesMasterId r:id="rId13"/>
   </p:notesMasterIdLst>
   <p:handoutMasterIdLst>
-    <p:handoutMasterId r:id="rId18"/>
+    <p:handoutMasterId r:id="rId14"/>
   </p:handoutMasterIdLst>
   <p:sldIdLst>
     <p:sldId id="330" r:id="rId2"/>
@@ -22,10 +22,6 @@
     <p:sldId id="332" r:id="rId10"/>
     <p:sldId id="347" r:id="rId11"/>
     <p:sldId id="348" r:id="rId12"/>
-    <p:sldId id="333" r:id="rId13"/>
-    <p:sldId id="340" r:id="rId14"/>
-    <p:sldId id="334" r:id="rId15"/>
-    <p:sldId id="339" r:id="rId16"/>
   </p:sldIdLst>
   <p:sldSz cx="9144000" cy="6858000" type="screen4x3"/>
   <p:notesSz cx="7010400" cy="9296400"/>
@@ -7971,830 +7967,6 @@
 </p:sld>
 </file>
 
-<file path=ppt/slides/slide12.xml><?xml version="1.0" encoding="utf-8"?>
-<p:sld xmlns:a="http://schemas.openxmlformats.org/drawingml/2006/main" xmlns:r="http://schemas.openxmlformats.org/officeDocument/2006/relationships" xmlns:p="http://schemas.openxmlformats.org/presentationml/2006/main">
-  <p:cSld>
-    <p:spTree>
-      <p:nvGrpSpPr>
-        <p:cNvPr id="1" name=""/>
-        <p:cNvGrpSpPr/>
-        <p:nvPr/>
-      </p:nvGrpSpPr>
-      <p:grpSpPr>
-        <a:xfrm>
-          <a:off x="0" y="0"/>
-          <a:ext cx="0" cy="0"/>
-          <a:chOff x="0" y="0"/>
-          <a:chExt cx="0" cy="0"/>
-        </a:xfrm>
-      </p:grpSpPr>
-      <p:sp>
-        <p:nvSpPr>
-          <p:cNvPr id="2" name="Title 1">
-            <a:extLst>
-              <a:ext uri="{FF2B5EF4-FFF2-40B4-BE49-F238E27FC236}">
-                <a16:creationId xmlns:a16="http://schemas.microsoft.com/office/drawing/2014/main" id="{C9BEDE47-63E5-D247-9260-032A81FB7091}"/>
-              </a:ext>
-            </a:extLst>
-          </p:cNvPr>
-          <p:cNvSpPr>
-            <a:spLocks noGrp="1"/>
-          </p:cNvSpPr>
-          <p:nvPr>
-            <p:ph type="title"/>
-          </p:nvPr>
-        </p:nvSpPr>
-        <p:spPr/>
-        <p:txBody>
-          <a:bodyPr/>
-          <a:lstStyle/>
-          <a:p>
-            <a:r>
-              <a:rPr lang="en-US" dirty="0" smtClean="0">
-                <a:latin typeface="Times New Roman" panose="02020603050405020304" pitchFamily="18" charset="0"/>
-                <a:cs typeface="Times New Roman" panose="02020603050405020304" pitchFamily="18" charset="0"/>
-              </a:rPr>
-              <a:t>Mathematical model</a:t>
-            </a:r>
-            <a:endParaRPr lang="en-US" dirty="0">
-              <a:latin typeface="Times New Roman" panose="02020603050405020304" pitchFamily="18" charset="0"/>
-              <a:cs typeface="Times New Roman" panose="02020603050405020304" pitchFamily="18" charset="0"/>
-            </a:endParaRPr>
-          </a:p>
-        </p:txBody>
-      </p:sp>
-      <p:sp>
-        <p:nvSpPr>
-          <p:cNvPr id="4" name="Date Placeholder 3">
-            <a:extLst>
-              <a:ext uri="{FF2B5EF4-FFF2-40B4-BE49-F238E27FC236}">
-                <a16:creationId xmlns:a16="http://schemas.microsoft.com/office/drawing/2014/main" id="{E235F2DA-A17C-A341-A61F-7508954C7D6F}"/>
-              </a:ext>
-            </a:extLst>
-          </p:cNvPr>
-          <p:cNvSpPr>
-            <a:spLocks noGrp="1"/>
-          </p:cNvSpPr>
-          <p:nvPr>
-            <p:ph type="dt" sz="half" idx="10"/>
-          </p:nvPr>
-        </p:nvSpPr>
-        <p:spPr/>
-        <p:txBody>
-          <a:bodyPr/>
-          <a:lstStyle/>
-          <a:p>
-            <a:pPr>
-              <a:defRPr/>
-            </a:pPr>
-            <a:r>
-              <a:rPr lang="en-US">
-                <a:cs typeface="Times New Roman" panose="02020603050405020304" pitchFamily="18" charset="0"/>
-              </a:rPr>
-              <a:t>November 26</a:t>
-            </a:r>
-            <a:endParaRPr lang="en-US" dirty="0">
-              <a:cs typeface="Times New Roman" panose="02020603050405020304" pitchFamily="18" charset="0"/>
-            </a:endParaRPr>
-          </a:p>
-        </p:txBody>
-      </p:sp>
-      <p:sp>
-        <p:nvSpPr>
-          <p:cNvPr id="5" name="Footer Placeholder 4">
-            <a:extLst>
-              <a:ext uri="{FF2B5EF4-FFF2-40B4-BE49-F238E27FC236}">
-                <a16:creationId xmlns:a16="http://schemas.microsoft.com/office/drawing/2014/main" id="{ED4E00F7-B50B-9046-9CDD-B45CC9C638B2}"/>
-              </a:ext>
-            </a:extLst>
-          </p:cNvPr>
-          <p:cNvSpPr>
-            <a:spLocks noGrp="1"/>
-          </p:cNvSpPr>
-          <p:nvPr>
-            <p:ph type="ftr" sz="quarter" idx="11"/>
-          </p:nvPr>
-        </p:nvSpPr>
-        <p:spPr/>
-        <p:txBody>
-          <a:bodyPr/>
-          <a:lstStyle/>
-          <a:p>
-            <a:pPr>
-              <a:defRPr/>
-            </a:pPr>
-            <a:r>
-              <a:rPr lang="en-US">
-                <a:cs typeface="Times New Roman" panose="02020603050405020304" pitchFamily="18" charset="0"/>
-              </a:rPr>
-              <a:t>IE 526  Final Project</a:t>
-            </a:r>
-            <a:endParaRPr lang="en-US" dirty="0">
-              <a:cs typeface="Times New Roman" panose="02020603050405020304" pitchFamily="18" charset="0"/>
-            </a:endParaRPr>
-          </a:p>
-        </p:txBody>
-      </p:sp>
-      <p:sp>
-        <p:nvSpPr>
-          <p:cNvPr id="6" name="Slide Number Placeholder 5">
-            <a:extLst>
-              <a:ext uri="{FF2B5EF4-FFF2-40B4-BE49-F238E27FC236}">
-                <a16:creationId xmlns:a16="http://schemas.microsoft.com/office/drawing/2014/main" id="{C7EAA511-8C8D-7F43-8BF3-7BDC311BE4EE}"/>
-              </a:ext>
-            </a:extLst>
-          </p:cNvPr>
-          <p:cNvSpPr>
-            <a:spLocks noGrp="1"/>
-          </p:cNvSpPr>
-          <p:nvPr>
-            <p:ph type="sldNum" sz="quarter" idx="12"/>
-          </p:nvPr>
-        </p:nvSpPr>
-        <p:spPr/>
-        <p:txBody>
-          <a:bodyPr/>
-          <a:lstStyle/>
-          <a:p>
-            <a:pPr>
-              <a:defRPr/>
-            </a:pPr>
-            <a:fld id="{61875079-2EDC-4E24-99D6-3E823A45791C}" type="slidenum">
-              <a:rPr lang="en-US" smtClean="0">
-                <a:cs typeface="Times New Roman" panose="02020603050405020304" pitchFamily="18" charset="0"/>
-              </a:rPr>
-              <a:pPr>
-                <a:defRPr/>
-              </a:pPr>
-              <a:t>12</a:t>
-            </a:fld>
-            <a:endParaRPr lang="en-US" dirty="0">
-              <a:cs typeface="Times New Roman" panose="02020603050405020304" pitchFamily="18" charset="0"/>
-            </a:endParaRPr>
-          </a:p>
-        </p:txBody>
-      </p:sp>
-      <p:pic>
-        <p:nvPicPr>
-          <p:cNvPr id="11" name="Content Placeholder 10"/>
-          <p:cNvPicPr>
-            <a:picLocks noGrp="1" noChangeAspect="1"/>
-          </p:cNvPicPr>
-          <p:nvPr>
-            <p:ph idx="1"/>
-          </p:nvPr>
-        </p:nvPicPr>
-        <p:blipFill>
-          <a:blip r:embed="rId2"/>
-          <a:stretch>
-            <a:fillRect/>
-          </a:stretch>
-        </p:blipFill>
-        <p:spPr>
-          <a:xfrm>
-            <a:off x="1733645" y="1825625"/>
-            <a:ext cx="5676710" cy="4351338"/>
-          </a:xfrm>
-          <a:prstGeom prst="rect">
-            <a:avLst/>
-          </a:prstGeom>
-        </p:spPr>
-      </p:pic>
-    </p:spTree>
-    <p:extLst>
-      <p:ext uri="{BB962C8B-B14F-4D97-AF65-F5344CB8AC3E}">
-        <p14:creationId xmlns:p14="http://schemas.microsoft.com/office/powerpoint/2010/main" val="1549374694"/>
-      </p:ext>
-    </p:extLst>
-  </p:cSld>
-  <p:clrMapOvr>
-    <a:masterClrMapping/>
-  </p:clrMapOvr>
-  <p:timing>
-    <p:tnLst>
-      <p:par>
-        <p:cTn id="1" dur="indefinite" restart="never" nodeType="tmRoot"/>
-      </p:par>
-    </p:tnLst>
-  </p:timing>
-</p:sld>
-</file>
-
-<file path=ppt/slides/slide13.xml><?xml version="1.0" encoding="utf-8"?>
-<p:sld xmlns:a="http://schemas.openxmlformats.org/drawingml/2006/main" xmlns:r="http://schemas.openxmlformats.org/officeDocument/2006/relationships" xmlns:p="http://schemas.openxmlformats.org/presentationml/2006/main">
-  <p:cSld>
-    <p:spTree>
-      <p:nvGrpSpPr>
-        <p:cNvPr id="1" name=""/>
-        <p:cNvGrpSpPr/>
-        <p:nvPr/>
-      </p:nvGrpSpPr>
-      <p:grpSpPr>
-        <a:xfrm>
-          <a:off x="0" y="0"/>
-          <a:ext cx="0" cy="0"/>
-          <a:chOff x="0" y="0"/>
-          <a:chExt cx="0" cy="0"/>
-        </a:xfrm>
-      </p:grpSpPr>
-      <p:sp>
-        <p:nvSpPr>
-          <p:cNvPr id="2" name="Title 1">
-            <a:extLst>
-              <a:ext uri="{FF2B5EF4-FFF2-40B4-BE49-F238E27FC236}">
-                <a16:creationId xmlns:a16="http://schemas.microsoft.com/office/drawing/2014/main" id="{BBC6688A-9401-274D-8DB3-E46426D33EBB}"/>
-              </a:ext>
-            </a:extLst>
-          </p:cNvPr>
-          <p:cNvSpPr>
-            <a:spLocks noGrp="1"/>
-          </p:cNvSpPr>
-          <p:nvPr>
-            <p:ph type="title"/>
-          </p:nvPr>
-        </p:nvSpPr>
-        <p:spPr/>
-        <p:txBody>
-          <a:bodyPr/>
-          <a:lstStyle/>
-          <a:p>
-            <a:r>
-              <a:rPr lang="en-US" dirty="0" err="1">
-                <a:latin typeface="Times New Roman" panose="02020603050405020304" pitchFamily="18" charset="0"/>
-                <a:cs typeface="Times New Roman" panose="02020603050405020304" pitchFamily="18" charset="0"/>
-              </a:rPr>
-              <a:t>Anylogic</a:t>
-            </a:r>
-            <a:r>
-              <a:rPr lang="en-US" dirty="0">
-                <a:latin typeface="Times New Roman" panose="02020603050405020304" pitchFamily="18" charset="0"/>
-                <a:cs typeface="Times New Roman" panose="02020603050405020304" pitchFamily="18" charset="0"/>
-              </a:rPr>
-              <a:t> Model</a:t>
-            </a:r>
-          </a:p>
-        </p:txBody>
-      </p:sp>
-      <p:sp>
-        <p:nvSpPr>
-          <p:cNvPr id="3" name="Content Placeholder 2">
-            <a:extLst>
-              <a:ext uri="{FF2B5EF4-FFF2-40B4-BE49-F238E27FC236}">
-                <a16:creationId xmlns:a16="http://schemas.microsoft.com/office/drawing/2014/main" id="{6579B15A-4219-134A-B4D4-5A01354391C6}"/>
-              </a:ext>
-            </a:extLst>
-          </p:cNvPr>
-          <p:cNvSpPr>
-            <a:spLocks noGrp="1"/>
-          </p:cNvSpPr>
-          <p:nvPr>
-            <p:ph idx="1"/>
-          </p:nvPr>
-        </p:nvSpPr>
-        <p:spPr/>
-        <p:txBody>
-          <a:bodyPr/>
-          <a:lstStyle/>
-          <a:p>
-            <a:endParaRPr lang="en-US" dirty="0">
-              <a:latin typeface="Times New Roman" panose="02020603050405020304" pitchFamily="18" charset="0"/>
-              <a:cs typeface="Times New Roman" panose="02020603050405020304" pitchFamily="18" charset="0"/>
-            </a:endParaRPr>
-          </a:p>
-        </p:txBody>
-      </p:sp>
-      <p:sp>
-        <p:nvSpPr>
-          <p:cNvPr id="4" name="Date Placeholder 3">
-            <a:extLst>
-              <a:ext uri="{FF2B5EF4-FFF2-40B4-BE49-F238E27FC236}">
-                <a16:creationId xmlns:a16="http://schemas.microsoft.com/office/drawing/2014/main" id="{65AE9C51-D29A-A047-A19F-0BAB9B12E9F3}"/>
-              </a:ext>
-            </a:extLst>
-          </p:cNvPr>
-          <p:cNvSpPr>
-            <a:spLocks noGrp="1"/>
-          </p:cNvSpPr>
-          <p:nvPr>
-            <p:ph type="dt" sz="half" idx="10"/>
-          </p:nvPr>
-        </p:nvSpPr>
-        <p:spPr/>
-        <p:txBody>
-          <a:bodyPr/>
-          <a:lstStyle/>
-          <a:p>
-            <a:pPr>
-              <a:defRPr/>
-            </a:pPr>
-            <a:r>
-              <a:rPr lang="en-US">
-                <a:cs typeface="Times New Roman" panose="02020603050405020304" pitchFamily="18" charset="0"/>
-              </a:rPr>
-              <a:t>November 26</a:t>
-            </a:r>
-            <a:endParaRPr lang="en-US" dirty="0">
-              <a:cs typeface="Times New Roman" panose="02020603050405020304" pitchFamily="18" charset="0"/>
-            </a:endParaRPr>
-          </a:p>
-        </p:txBody>
-      </p:sp>
-      <p:sp>
-        <p:nvSpPr>
-          <p:cNvPr id="5" name="Footer Placeholder 4">
-            <a:extLst>
-              <a:ext uri="{FF2B5EF4-FFF2-40B4-BE49-F238E27FC236}">
-                <a16:creationId xmlns:a16="http://schemas.microsoft.com/office/drawing/2014/main" id="{9F991618-3828-3B41-BD69-42998E16B464}"/>
-              </a:ext>
-            </a:extLst>
-          </p:cNvPr>
-          <p:cNvSpPr>
-            <a:spLocks noGrp="1"/>
-          </p:cNvSpPr>
-          <p:nvPr>
-            <p:ph type="ftr" sz="quarter" idx="11"/>
-          </p:nvPr>
-        </p:nvSpPr>
-        <p:spPr/>
-        <p:txBody>
-          <a:bodyPr/>
-          <a:lstStyle/>
-          <a:p>
-            <a:pPr>
-              <a:defRPr/>
-            </a:pPr>
-            <a:r>
-              <a:rPr lang="en-US">
-                <a:cs typeface="Times New Roman" panose="02020603050405020304" pitchFamily="18" charset="0"/>
-              </a:rPr>
-              <a:t>IE 526  Final Project</a:t>
-            </a:r>
-            <a:endParaRPr lang="en-US" dirty="0">
-              <a:cs typeface="Times New Roman" panose="02020603050405020304" pitchFamily="18" charset="0"/>
-            </a:endParaRPr>
-          </a:p>
-        </p:txBody>
-      </p:sp>
-      <p:sp>
-        <p:nvSpPr>
-          <p:cNvPr id="6" name="Slide Number Placeholder 5">
-            <a:extLst>
-              <a:ext uri="{FF2B5EF4-FFF2-40B4-BE49-F238E27FC236}">
-                <a16:creationId xmlns:a16="http://schemas.microsoft.com/office/drawing/2014/main" id="{176615A9-FE84-7444-BCCF-CEE3E3D3E7BC}"/>
-              </a:ext>
-            </a:extLst>
-          </p:cNvPr>
-          <p:cNvSpPr>
-            <a:spLocks noGrp="1"/>
-          </p:cNvSpPr>
-          <p:nvPr>
-            <p:ph type="sldNum" sz="quarter" idx="12"/>
-          </p:nvPr>
-        </p:nvSpPr>
-        <p:spPr/>
-        <p:txBody>
-          <a:bodyPr/>
-          <a:lstStyle/>
-          <a:p>
-            <a:pPr>
-              <a:defRPr/>
-            </a:pPr>
-            <a:fld id="{61875079-2EDC-4E24-99D6-3E823A45791C}" type="slidenum">
-              <a:rPr lang="en-US" smtClean="0">
-                <a:cs typeface="Times New Roman" panose="02020603050405020304" pitchFamily="18" charset="0"/>
-              </a:rPr>
-              <a:pPr>
-                <a:defRPr/>
-              </a:pPr>
-              <a:t>13</a:t>
-            </a:fld>
-            <a:endParaRPr lang="en-US" dirty="0">
-              <a:cs typeface="Times New Roman" panose="02020603050405020304" pitchFamily="18" charset="0"/>
-            </a:endParaRPr>
-          </a:p>
-        </p:txBody>
-      </p:sp>
-    </p:spTree>
-    <p:extLst>
-      <p:ext uri="{BB962C8B-B14F-4D97-AF65-F5344CB8AC3E}">
-        <p14:creationId xmlns:p14="http://schemas.microsoft.com/office/powerpoint/2010/main" val="1590406127"/>
-      </p:ext>
-    </p:extLst>
-  </p:cSld>
-  <p:clrMapOvr>
-    <a:masterClrMapping/>
-  </p:clrMapOvr>
-  <p:timing>
-    <p:tnLst>
-      <p:par>
-        <p:cTn id="1" dur="indefinite" restart="never" nodeType="tmRoot"/>
-      </p:par>
-    </p:tnLst>
-  </p:timing>
-</p:sld>
-</file>
-
-<file path=ppt/slides/slide14.xml><?xml version="1.0" encoding="utf-8"?>
-<p:sld xmlns:a="http://schemas.openxmlformats.org/drawingml/2006/main" xmlns:r="http://schemas.openxmlformats.org/officeDocument/2006/relationships" xmlns:p="http://schemas.openxmlformats.org/presentationml/2006/main">
-  <p:cSld>
-    <p:spTree>
-      <p:nvGrpSpPr>
-        <p:cNvPr id="1" name=""/>
-        <p:cNvGrpSpPr/>
-        <p:nvPr/>
-      </p:nvGrpSpPr>
-      <p:grpSpPr>
-        <a:xfrm>
-          <a:off x="0" y="0"/>
-          <a:ext cx="0" cy="0"/>
-          <a:chOff x="0" y="0"/>
-          <a:chExt cx="0" cy="0"/>
-        </a:xfrm>
-      </p:grpSpPr>
-      <p:sp>
-        <p:nvSpPr>
-          <p:cNvPr id="2" name="Title 1">
-            <a:extLst>
-              <a:ext uri="{FF2B5EF4-FFF2-40B4-BE49-F238E27FC236}">
-                <a16:creationId xmlns:a16="http://schemas.microsoft.com/office/drawing/2014/main" id="{E609BDEF-CB22-0D44-9AAF-2AF341FCBD7D}"/>
-              </a:ext>
-            </a:extLst>
-          </p:cNvPr>
-          <p:cNvSpPr>
-            <a:spLocks noGrp="1"/>
-          </p:cNvSpPr>
-          <p:nvPr>
-            <p:ph type="title"/>
-          </p:nvPr>
-        </p:nvSpPr>
-        <p:spPr/>
-        <p:txBody>
-          <a:bodyPr/>
-          <a:lstStyle/>
-          <a:p>
-            <a:r>
-              <a:rPr lang="en-US" dirty="0">
-                <a:latin typeface="Times New Roman" panose="02020603050405020304" pitchFamily="18" charset="0"/>
-                <a:cs typeface="Times New Roman" panose="02020603050405020304" pitchFamily="18" charset="0"/>
-              </a:rPr>
-              <a:t>How we code</a:t>
-            </a:r>
-          </a:p>
-        </p:txBody>
-      </p:sp>
-      <p:sp>
-        <p:nvSpPr>
-          <p:cNvPr id="3" name="Content Placeholder 2">
-            <a:extLst>
-              <a:ext uri="{FF2B5EF4-FFF2-40B4-BE49-F238E27FC236}">
-                <a16:creationId xmlns:a16="http://schemas.microsoft.com/office/drawing/2014/main" id="{0BDCEDBC-80DF-C443-8882-203FDD6A04FC}"/>
-              </a:ext>
-            </a:extLst>
-          </p:cNvPr>
-          <p:cNvSpPr>
-            <a:spLocks noGrp="1"/>
-          </p:cNvSpPr>
-          <p:nvPr>
-            <p:ph idx="1"/>
-          </p:nvPr>
-        </p:nvSpPr>
-        <p:spPr/>
-        <p:txBody>
-          <a:bodyPr/>
-          <a:lstStyle/>
-          <a:p>
-            <a:pPr lvl="1"/>
-            <a:endParaRPr lang="en-US" dirty="0">
-              <a:latin typeface="Times New Roman" panose="02020603050405020304" pitchFamily="18" charset="0"/>
-              <a:cs typeface="Times New Roman" panose="02020603050405020304" pitchFamily="18" charset="0"/>
-            </a:endParaRPr>
-          </a:p>
-        </p:txBody>
-      </p:sp>
-      <p:sp>
-        <p:nvSpPr>
-          <p:cNvPr id="4" name="Date Placeholder 3">
-            <a:extLst>
-              <a:ext uri="{FF2B5EF4-FFF2-40B4-BE49-F238E27FC236}">
-                <a16:creationId xmlns:a16="http://schemas.microsoft.com/office/drawing/2014/main" id="{D6A29B40-3E9D-9841-9BFA-53657C7C8BC8}"/>
-              </a:ext>
-            </a:extLst>
-          </p:cNvPr>
-          <p:cNvSpPr>
-            <a:spLocks noGrp="1"/>
-          </p:cNvSpPr>
-          <p:nvPr>
-            <p:ph type="dt" sz="half" idx="10"/>
-          </p:nvPr>
-        </p:nvSpPr>
-        <p:spPr/>
-        <p:txBody>
-          <a:bodyPr/>
-          <a:lstStyle/>
-          <a:p>
-            <a:pPr>
-              <a:defRPr/>
-            </a:pPr>
-            <a:r>
-              <a:rPr lang="en-US">
-                <a:cs typeface="Times New Roman" panose="02020603050405020304" pitchFamily="18" charset="0"/>
-              </a:rPr>
-              <a:t>November 26</a:t>
-            </a:r>
-            <a:endParaRPr lang="en-US" dirty="0">
-              <a:cs typeface="Times New Roman" panose="02020603050405020304" pitchFamily="18" charset="0"/>
-            </a:endParaRPr>
-          </a:p>
-        </p:txBody>
-      </p:sp>
-      <p:sp>
-        <p:nvSpPr>
-          <p:cNvPr id="5" name="Footer Placeholder 4">
-            <a:extLst>
-              <a:ext uri="{FF2B5EF4-FFF2-40B4-BE49-F238E27FC236}">
-                <a16:creationId xmlns:a16="http://schemas.microsoft.com/office/drawing/2014/main" id="{6D96B1D3-B6EF-934A-875D-748C13B19D0C}"/>
-              </a:ext>
-            </a:extLst>
-          </p:cNvPr>
-          <p:cNvSpPr>
-            <a:spLocks noGrp="1"/>
-          </p:cNvSpPr>
-          <p:nvPr>
-            <p:ph type="ftr" sz="quarter" idx="11"/>
-          </p:nvPr>
-        </p:nvSpPr>
-        <p:spPr/>
-        <p:txBody>
-          <a:bodyPr/>
-          <a:lstStyle/>
-          <a:p>
-            <a:pPr>
-              <a:defRPr/>
-            </a:pPr>
-            <a:r>
-              <a:rPr lang="en-US">
-                <a:cs typeface="Times New Roman" panose="02020603050405020304" pitchFamily="18" charset="0"/>
-              </a:rPr>
-              <a:t>IE 526  Final Project</a:t>
-            </a:r>
-            <a:endParaRPr lang="en-US" dirty="0">
-              <a:cs typeface="Times New Roman" panose="02020603050405020304" pitchFamily="18" charset="0"/>
-            </a:endParaRPr>
-          </a:p>
-        </p:txBody>
-      </p:sp>
-      <p:sp>
-        <p:nvSpPr>
-          <p:cNvPr id="6" name="Slide Number Placeholder 5">
-            <a:extLst>
-              <a:ext uri="{FF2B5EF4-FFF2-40B4-BE49-F238E27FC236}">
-                <a16:creationId xmlns:a16="http://schemas.microsoft.com/office/drawing/2014/main" id="{06D86E0D-E688-4F4D-9F15-8D29A8AEC416}"/>
-              </a:ext>
-            </a:extLst>
-          </p:cNvPr>
-          <p:cNvSpPr>
-            <a:spLocks noGrp="1"/>
-          </p:cNvSpPr>
-          <p:nvPr>
-            <p:ph type="sldNum" sz="quarter" idx="12"/>
-          </p:nvPr>
-        </p:nvSpPr>
-        <p:spPr/>
-        <p:txBody>
-          <a:bodyPr/>
-          <a:lstStyle/>
-          <a:p>
-            <a:pPr>
-              <a:defRPr/>
-            </a:pPr>
-            <a:fld id="{61875079-2EDC-4E24-99D6-3E823A45791C}" type="slidenum">
-              <a:rPr lang="en-US" smtClean="0">
-                <a:cs typeface="Times New Roman" panose="02020603050405020304" pitchFamily="18" charset="0"/>
-              </a:rPr>
-              <a:pPr>
-                <a:defRPr/>
-              </a:pPr>
-              <a:t>14</a:t>
-            </a:fld>
-            <a:endParaRPr lang="en-US" dirty="0">
-              <a:cs typeface="Times New Roman" panose="02020603050405020304" pitchFamily="18" charset="0"/>
-            </a:endParaRPr>
-          </a:p>
-        </p:txBody>
-      </p:sp>
-    </p:spTree>
-    <p:extLst>
-      <p:ext uri="{BB962C8B-B14F-4D97-AF65-F5344CB8AC3E}">
-        <p14:creationId xmlns:p14="http://schemas.microsoft.com/office/powerpoint/2010/main" val="1601205113"/>
-      </p:ext>
-    </p:extLst>
-  </p:cSld>
-  <p:clrMapOvr>
-    <a:masterClrMapping/>
-  </p:clrMapOvr>
-</p:sld>
-</file>
-
-<file path=ppt/slides/slide15.xml><?xml version="1.0" encoding="utf-8"?>
-<p:sld xmlns:a="http://schemas.openxmlformats.org/drawingml/2006/main" xmlns:r="http://schemas.openxmlformats.org/officeDocument/2006/relationships" xmlns:p="http://schemas.openxmlformats.org/presentationml/2006/main">
-  <p:cSld>
-    <p:spTree>
-      <p:nvGrpSpPr>
-        <p:cNvPr id="1" name=""/>
-        <p:cNvGrpSpPr/>
-        <p:nvPr/>
-      </p:nvGrpSpPr>
-      <p:grpSpPr>
-        <a:xfrm>
-          <a:off x="0" y="0"/>
-          <a:ext cx="0" cy="0"/>
-          <a:chOff x="0" y="0"/>
-          <a:chExt cx="0" cy="0"/>
-        </a:xfrm>
-      </p:grpSpPr>
-      <p:sp>
-        <p:nvSpPr>
-          <p:cNvPr id="2" name="Title 1">
-            <a:extLst>
-              <a:ext uri="{FF2B5EF4-FFF2-40B4-BE49-F238E27FC236}">
-                <a16:creationId xmlns:a16="http://schemas.microsoft.com/office/drawing/2014/main" id="{CD187B58-EFAA-454B-A723-3DD6F0D749EB}"/>
-              </a:ext>
-            </a:extLst>
-          </p:cNvPr>
-          <p:cNvSpPr>
-            <a:spLocks noGrp="1"/>
-          </p:cNvSpPr>
-          <p:nvPr>
-            <p:ph type="title"/>
-          </p:nvPr>
-        </p:nvSpPr>
-        <p:spPr/>
-        <p:txBody>
-          <a:bodyPr/>
-          <a:lstStyle/>
-          <a:p>
-            <a:r>
-              <a:rPr lang="en-US" dirty="0">
-                <a:latin typeface="Times New Roman" panose="02020603050405020304" pitchFamily="18" charset="0"/>
-                <a:cs typeface="Times New Roman" panose="02020603050405020304" pitchFamily="18" charset="0"/>
-              </a:rPr>
-              <a:t>Future to Do</a:t>
-            </a:r>
-          </a:p>
-        </p:txBody>
-      </p:sp>
-      <p:sp>
-        <p:nvSpPr>
-          <p:cNvPr id="3" name="Content Placeholder 2">
-            <a:extLst>
-              <a:ext uri="{FF2B5EF4-FFF2-40B4-BE49-F238E27FC236}">
-                <a16:creationId xmlns:a16="http://schemas.microsoft.com/office/drawing/2014/main" id="{291699FF-0094-534D-AF59-E4A8ADC58988}"/>
-              </a:ext>
-            </a:extLst>
-          </p:cNvPr>
-          <p:cNvSpPr>
-            <a:spLocks noGrp="1"/>
-          </p:cNvSpPr>
-          <p:nvPr>
-            <p:ph idx="1"/>
-          </p:nvPr>
-        </p:nvSpPr>
-        <p:spPr/>
-        <p:txBody>
-          <a:bodyPr/>
-          <a:lstStyle/>
-          <a:p>
-            <a:endParaRPr lang="en-US" dirty="0">
-              <a:latin typeface="Times New Roman" panose="02020603050405020304" pitchFamily="18" charset="0"/>
-              <a:cs typeface="Times New Roman" panose="02020603050405020304" pitchFamily="18" charset="0"/>
-            </a:endParaRPr>
-          </a:p>
-        </p:txBody>
-      </p:sp>
-      <p:sp>
-        <p:nvSpPr>
-          <p:cNvPr id="4" name="Date Placeholder 3">
-            <a:extLst>
-              <a:ext uri="{FF2B5EF4-FFF2-40B4-BE49-F238E27FC236}">
-                <a16:creationId xmlns:a16="http://schemas.microsoft.com/office/drawing/2014/main" id="{F7F48297-E556-584E-B51B-26D045520445}"/>
-              </a:ext>
-            </a:extLst>
-          </p:cNvPr>
-          <p:cNvSpPr>
-            <a:spLocks noGrp="1"/>
-          </p:cNvSpPr>
-          <p:nvPr>
-            <p:ph type="dt" sz="half" idx="10"/>
-          </p:nvPr>
-        </p:nvSpPr>
-        <p:spPr/>
-        <p:txBody>
-          <a:bodyPr/>
-          <a:lstStyle/>
-          <a:p>
-            <a:pPr>
-              <a:defRPr/>
-            </a:pPr>
-            <a:r>
-              <a:rPr lang="en-US">
-                <a:cs typeface="Times New Roman" panose="02020603050405020304" pitchFamily="18" charset="0"/>
-              </a:rPr>
-              <a:t>November 26</a:t>
-            </a:r>
-            <a:endParaRPr lang="en-US" dirty="0">
-              <a:cs typeface="Times New Roman" panose="02020603050405020304" pitchFamily="18" charset="0"/>
-            </a:endParaRPr>
-          </a:p>
-        </p:txBody>
-      </p:sp>
-      <p:sp>
-        <p:nvSpPr>
-          <p:cNvPr id="5" name="Footer Placeholder 4">
-            <a:extLst>
-              <a:ext uri="{FF2B5EF4-FFF2-40B4-BE49-F238E27FC236}">
-                <a16:creationId xmlns:a16="http://schemas.microsoft.com/office/drawing/2014/main" id="{6C6C34C9-231C-F540-A288-A62EEA1B24F2}"/>
-              </a:ext>
-            </a:extLst>
-          </p:cNvPr>
-          <p:cNvSpPr>
-            <a:spLocks noGrp="1"/>
-          </p:cNvSpPr>
-          <p:nvPr>
-            <p:ph type="ftr" sz="quarter" idx="11"/>
-          </p:nvPr>
-        </p:nvSpPr>
-        <p:spPr/>
-        <p:txBody>
-          <a:bodyPr/>
-          <a:lstStyle/>
-          <a:p>
-            <a:pPr>
-              <a:defRPr/>
-            </a:pPr>
-            <a:r>
-              <a:rPr lang="en-US">
-                <a:cs typeface="Times New Roman" panose="02020603050405020304" pitchFamily="18" charset="0"/>
-              </a:rPr>
-              <a:t>IE 526  Final Project</a:t>
-            </a:r>
-            <a:endParaRPr lang="en-US" dirty="0">
-              <a:cs typeface="Times New Roman" panose="02020603050405020304" pitchFamily="18" charset="0"/>
-            </a:endParaRPr>
-          </a:p>
-        </p:txBody>
-      </p:sp>
-      <p:sp>
-        <p:nvSpPr>
-          <p:cNvPr id="6" name="Slide Number Placeholder 5">
-            <a:extLst>
-              <a:ext uri="{FF2B5EF4-FFF2-40B4-BE49-F238E27FC236}">
-                <a16:creationId xmlns:a16="http://schemas.microsoft.com/office/drawing/2014/main" id="{766A8F86-F61F-5049-81EB-D2697F65F428}"/>
-              </a:ext>
-            </a:extLst>
-          </p:cNvPr>
-          <p:cNvSpPr>
-            <a:spLocks noGrp="1"/>
-          </p:cNvSpPr>
-          <p:nvPr>
-            <p:ph type="sldNum" sz="quarter" idx="12"/>
-          </p:nvPr>
-        </p:nvSpPr>
-        <p:spPr/>
-        <p:txBody>
-          <a:bodyPr/>
-          <a:lstStyle/>
-          <a:p>
-            <a:pPr>
-              <a:defRPr/>
-            </a:pPr>
-            <a:fld id="{61875079-2EDC-4E24-99D6-3E823A45791C}" type="slidenum">
-              <a:rPr lang="en-US" smtClean="0">
-                <a:cs typeface="Times New Roman" panose="02020603050405020304" pitchFamily="18" charset="0"/>
-              </a:rPr>
-              <a:pPr>
-                <a:defRPr/>
-              </a:pPr>
-              <a:t>15</a:t>
-            </a:fld>
-            <a:endParaRPr lang="en-US" dirty="0">
-              <a:cs typeface="Times New Roman" panose="02020603050405020304" pitchFamily="18" charset="0"/>
-            </a:endParaRPr>
-          </a:p>
-        </p:txBody>
-      </p:sp>
-    </p:spTree>
-    <p:extLst>
-      <p:ext uri="{BB962C8B-B14F-4D97-AF65-F5344CB8AC3E}">
-        <p14:creationId xmlns:p14="http://schemas.microsoft.com/office/powerpoint/2010/main" val="3754300537"/>
-      </p:ext>
-    </p:extLst>
-  </p:cSld>
-  <p:clrMapOvr>
-    <a:masterClrMapping/>
-  </p:clrMapOvr>
-</p:sld>
-</file>
-
 <file path=ppt/slides/slide2.xml><?xml version="1.0" encoding="utf-8"?>
 <p:sld xmlns:a="http://schemas.openxmlformats.org/drawingml/2006/main" xmlns:r="http://schemas.openxmlformats.org/officeDocument/2006/relationships" xmlns:p="http://schemas.openxmlformats.org/presentationml/2006/main">
   <p:cSld>
@@ -8858,24 +8030,18 @@
               <a:buChar char="v"/>
             </a:pPr>
             <a:r>
+              <a:rPr lang="en-US" sz="3200" dirty="0" smtClean="0">
+                <a:latin typeface="Times New Roman" panose="02020603050405020304" pitchFamily="18" charset="0"/>
+                <a:cs typeface="Times New Roman" panose="02020603050405020304" pitchFamily="18" charset="0"/>
+              </a:rPr>
+              <a:t>Math </a:t>
+            </a:r>
+            <a:r>
               <a:rPr lang="en-US" sz="3200" dirty="0">
                 <a:latin typeface="Times New Roman" panose="02020603050405020304" pitchFamily="18" charset="0"/>
                 <a:cs typeface="Times New Roman" panose="02020603050405020304" pitchFamily="18" charset="0"/>
               </a:rPr>
-              <a:t>Assumption</a:t>
-            </a:r>
-          </a:p>
-          <a:p>
-            <a:pPr algn="just">
-              <a:buFont typeface="Wingdings" pitchFamily="2" charset="2"/>
-              <a:buChar char="v"/>
-            </a:pPr>
-            <a:r>
-              <a:rPr lang="en-US" sz="3200" dirty="0">
-                <a:latin typeface="Times New Roman" panose="02020603050405020304" pitchFamily="18" charset="0"/>
-                <a:cs typeface="Times New Roman" panose="02020603050405020304" pitchFamily="18" charset="0"/>
-              </a:rPr>
-              <a:t>Math Model</a:t>
+              <a:t>Model</a:t>
             </a:r>
           </a:p>
           <a:p>

--- a/Lyu/Part of Lyu.pptx
+++ b/Lyu/Part of Lyu.pptx
@@ -8753,13 +8753,29 @@
           <a:p>
             <a:r>
               <a:rPr lang="en-US" dirty="0" smtClean="0"/>
-              <a:t>10 billion yuan in 125 seconds ($ 1.4 billion)</a:t>
-            </a:r>
-          </a:p>
-          <a:p>
+              <a:t>10 billion yuan in 125 seconds </a:t>
+            </a:r>
             <a:r>
               <a:rPr lang="en-US" dirty="0" smtClean="0"/>
-              <a:t>213.5 billion yuan in 24 hours ($ 30.5 billion)</a:t>
+              <a:t>($ 1.4 </a:t>
+            </a:r>
+            <a:r>
+              <a:rPr lang="en-US" dirty="0" smtClean="0"/>
+              <a:t>billion)</a:t>
+            </a:r>
+          </a:p>
+          <a:p>
+            <a:r>
+              <a:rPr lang="en-US" dirty="0" smtClean="0"/>
+              <a:t>213.5 billion yuan in 24 hours </a:t>
+            </a:r>
+            <a:r>
+              <a:rPr lang="en-US" dirty="0" smtClean="0"/>
+              <a:t>($ 30.5 </a:t>
+            </a:r>
+            <a:r>
+              <a:rPr lang="en-US" dirty="0" smtClean="0"/>
+              <a:t>billion)</a:t>
             </a:r>
           </a:p>
           <a:p>
@@ -8771,8 +8787,23 @@
           <a:p>
             <a:r>
               <a:rPr lang="en-US" dirty="0" smtClean="0"/>
-              <a:t>2 to 7 days</a:t>
-            </a:r>
+              <a:t>2 - </a:t>
+            </a:r>
+            <a:r>
+              <a:rPr lang="en-US" dirty="0" smtClean="0"/>
+              <a:t>7</a:t>
+            </a:r>
+            <a:r>
+              <a:rPr lang="en-US" dirty="0" smtClean="0"/>
+              <a:t> days (no shipping fee)</a:t>
+            </a:r>
+          </a:p>
+          <a:p>
+            <a:r>
+              <a:rPr lang="en-US" dirty="0" smtClean="0"/>
+              <a:t>1 - 2 days ($ 2)</a:t>
+            </a:r>
+            <a:endParaRPr lang="en-US" dirty="0" smtClean="0"/>
           </a:p>
           <a:p>
             <a:pPr marL="0" indent="0">
